--- a/slides/Jesper's workspace.pptx
+++ b/slides/Jesper's workspace.pptx
@@ -112,7 +112,7 @@
   </p:defaultTextStyle>
   <p:extLst>
     <p:ext uri="{EFAFB233-063F-42B5-8137-9DF3F51BA10A}">
-      <p15:sldGuideLst xmlns:p15="http://schemas.microsoft.com/office/powerpoint/2012/main" xmlns=""/>
+      <p15:sldGuideLst xmlns="" xmlns:p15="http://schemas.microsoft.com/office/powerpoint/2012/main"/>
     </p:ext>
   </p:extLst>
 </p:presentation>
@@ -370,7 +370,7 @@
     </p:spTree>
     <p:extLst>
       <p:ext uri="{BB962C8B-B14F-4D97-AF65-F5344CB8AC3E}">
-        <p14:creationId xmlns:p14="http://schemas.microsoft.com/office/powerpoint/2010/main" xmlns="" val="2250213317"/>
+        <p14:creationId xmlns="" xmlns:p14="http://schemas.microsoft.com/office/powerpoint/2010/main" val="2250213317"/>
       </p:ext>
     </p:extLst>
   </p:cSld>
@@ -545,7 +545,7 @@
     </p:spTree>
     <p:extLst>
       <p:ext uri="{BB962C8B-B14F-4D97-AF65-F5344CB8AC3E}">
-        <p14:creationId xmlns:p14="http://schemas.microsoft.com/office/powerpoint/2010/main" xmlns="" val="2186571349"/>
+        <p14:creationId xmlns="" xmlns:p14="http://schemas.microsoft.com/office/powerpoint/2010/main" val="2186571349"/>
       </p:ext>
     </p:extLst>
   </p:cSld>
@@ -630,7 +630,7 @@
     </p:spTree>
     <p:extLst>
       <p:ext uri="{BB962C8B-B14F-4D97-AF65-F5344CB8AC3E}">
-        <p14:creationId xmlns:p14="http://schemas.microsoft.com/office/powerpoint/2010/main" xmlns="" val="2186571349"/>
+        <p14:creationId xmlns="" xmlns:p14="http://schemas.microsoft.com/office/powerpoint/2010/main" val="2186571349"/>
       </p:ext>
     </p:extLst>
   </p:cSld>
@@ -715,7 +715,7 @@
     </p:spTree>
     <p:extLst>
       <p:ext uri="{BB962C8B-B14F-4D97-AF65-F5344CB8AC3E}">
-        <p14:creationId xmlns:p14="http://schemas.microsoft.com/office/powerpoint/2010/main" xmlns="" val="2186571349"/>
+        <p14:creationId xmlns="" xmlns:p14="http://schemas.microsoft.com/office/powerpoint/2010/main" val="2186571349"/>
       </p:ext>
     </p:extLst>
   </p:cSld>
@@ -800,7 +800,7 @@
     </p:spTree>
     <p:extLst>
       <p:ext uri="{BB962C8B-B14F-4D97-AF65-F5344CB8AC3E}">
-        <p14:creationId xmlns:p14="http://schemas.microsoft.com/office/powerpoint/2010/main" xmlns="" val="2186571349"/>
+        <p14:creationId xmlns="" xmlns:p14="http://schemas.microsoft.com/office/powerpoint/2010/main" val="2186571349"/>
       </p:ext>
     </p:extLst>
   </p:cSld>
@@ -994,7 +994,7 @@
     </p:spTree>
     <p:extLst>
       <p:ext uri="{BB962C8B-B14F-4D97-AF65-F5344CB8AC3E}">
-        <p14:creationId xmlns:p14="http://schemas.microsoft.com/office/powerpoint/2010/main" xmlns="" val="2929521730"/>
+        <p14:creationId xmlns="" xmlns:p14="http://schemas.microsoft.com/office/powerpoint/2010/main" val="2929521730"/>
       </p:ext>
     </p:extLst>
   </p:cSld>
@@ -1166,7 +1166,7 @@
     </p:spTree>
     <p:extLst>
       <p:ext uri="{BB962C8B-B14F-4D97-AF65-F5344CB8AC3E}">
-        <p14:creationId xmlns:p14="http://schemas.microsoft.com/office/powerpoint/2010/main" xmlns="" val="995707884"/>
+        <p14:creationId xmlns="" xmlns:p14="http://schemas.microsoft.com/office/powerpoint/2010/main" val="995707884"/>
       </p:ext>
     </p:extLst>
   </p:cSld>
@@ -1348,7 +1348,7 @@
     </p:spTree>
     <p:extLst>
       <p:ext uri="{BB962C8B-B14F-4D97-AF65-F5344CB8AC3E}">
-        <p14:creationId xmlns:p14="http://schemas.microsoft.com/office/powerpoint/2010/main" xmlns="" val="1441491967"/>
+        <p14:creationId xmlns="" xmlns:p14="http://schemas.microsoft.com/office/powerpoint/2010/main" val="1441491967"/>
       </p:ext>
     </p:extLst>
   </p:cSld>
@@ -1378,7 +1378,7 @@
     </p:spTree>
     <p:extLst>
       <p:ext uri="{BB962C8B-B14F-4D97-AF65-F5344CB8AC3E}">
-        <p14:creationId xmlns:p14="http://schemas.microsoft.com/office/powerpoint/2010/main" xmlns="" val="3082572901"/>
+        <p14:creationId xmlns="" xmlns:p14="http://schemas.microsoft.com/office/powerpoint/2010/main" val="3082572901"/>
       </p:ext>
     </p:extLst>
   </p:cSld>
@@ -1550,7 +1550,7 @@
     </p:spTree>
     <p:extLst>
       <p:ext uri="{BB962C8B-B14F-4D97-AF65-F5344CB8AC3E}">
-        <p14:creationId xmlns:p14="http://schemas.microsoft.com/office/powerpoint/2010/main" xmlns="" val="3551489324"/>
+        <p14:creationId xmlns="" xmlns:p14="http://schemas.microsoft.com/office/powerpoint/2010/main" val="3551489324"/>
       </p:ext>
     </p:extLst>
   </p:cSld>
@@ -1796,7 +1796,7 @@
     </p:spTree>
     <p:extLst>
       <p:ext uri="{BB962C8B-B14F-4D97-AF65-F5344CB8AC3E}">
-        <p14:creationId xmlns:p14="http://schemas.microsoft.com/office/powerpoint/2010/main" xmlns="" val="2284547105"/>
+        <p14:creationId xmlns="" xmlns:p14="http://schemas.microsoft.com/office/powerpoint/2010/main" val="2284547105"/>
       </p:ext>
     </p:extLst>
   </p:cSld>
@@ -2030,7 +2030,7 @@
     </p:spTree>
     <p:extLst>
       <p:ext uri="{BB962C8B-B14F-4D97-AF65-F5344CB8AC3E}">
-        <p14:creationId xmlns:p14="http://schemas.microsoft.com/office/powerpoint/2010/main" xmlns="" val="4001931575"/>
+        <p14:creationId xmlns="" xmlns:p14="http://schemas.microsoft.com/office/powerpoint/2010/main" val="4001931575"/>
       </p:ext>
     </p:extLst>
   </p:cSld>
@@ -2399,7 +2399,7 @@
     </p:spTree>
     <p:extLst>
       <p:ext uri="{BB962C8B-B14F-4D97-AF65-F5344CB8AC3E}">
-        <p14:creationId xmlns:p14="http://schemas.microsoft.com/office/powerpoint/2010/main" xmlns="" val="3416615220"/>
+        <p14:creationId xmlns="" xmlns:p14="http://schemas.microsoft.com/office/powerpoint/2010/main" val="3416615220"/>
       </p:ext>
     </p:extLst>
   </p:cSld>
@@ -2519,7 +2519,7 @@
     </p:spTree>
     <p:extLst>
       <p:ext uri="{BB962C8B-B14F-4D97-AF65-F5344CB8AC3E}">
-        <p14:creationId xmlns:p14="http://schemas.microsoft.com/office/powerpoint/2010/main" xmlns="" val="3268632796"/>
+        <p14:creationId xmlns="" xmlns:p14="http://schemas.microsoft.com/office/powerpoint/2010/main" val="3268632796"/>
       </p:ext>
     </p:extLst>
   </p:cSld>
@@ -2616,7 +2616,7 @@
     </p:spTree>
     <p:extLst>
       <p:ext uri="{BB962C8B-B14F-4D97-AF65-F5344CB8AC3E}">
-        <p14:creationId xmlns:p14="http://schemas.microsoft.com/office/powerpoint/2010/main" xmlns="" val="3202428774"/>
+        <p14:creationId xmlns="" xmlns:p14="http://schemas.microsoft.com/office/powerpoint/2010/main" val="3202428774"/>
       </p:ext>
     </p:extLst>
   </p:cSld>
@@ -2895,7 +2895,7 @@
     </p:spTree>
     <p:extLst>
       <p:ext uri="{BB962C8B-B14F-4D97-AF65-F5344CB8AC3E}">
-        <p14:creationId xmlns:p14="http://schemas.microsoft.com/office/powerpoint/2010/main" xmlns="" val="725834152"/>
+        <p14:creationId xmlns="" xmlns:p14="http://schemas.microsoft.com/office/powerpoint/2010/main" val="725834152"/>
       </p:ext>
     </p:extLst>
   </p:cSld>
@@ -3154,7 +3154,7 @@
     </p:spTree>
     <p:extLst>
       <p:ext uri="{BB962C8B-B14F-4D97-AF65-F5344CB8AC3E}">
-        <p14:creationId xmlns:p14="http://schemas.microsoft.com/office/powerpoint/2010/main" xmlns="" val="2829104868"/>
+        <p14:creationId xmlns="" xmlns:p14="http://schemas.microsoft.com/office/powerpoint/2010/main" val="2829104868"/>
       </p:ext>
     </p:extLst>
   </p:cSld>
@@ -3405,7 +3405,7 @@
     </p:spTree>
     <p:extLst>
       <p:ext uri="{BB962C8B-B14F-4D97-AF65-F5344CB8AC3E}">
-        <p14:creationId xmlns:p14="http://schemas.microsoft.com/office/powerpoint/2010/main" xmlns="" val="3767957413"/>
+        <p14:creationId xmlns="" xmlns:p14="http://schemas.microsoft.com/office/powerpoint/2010/main" val="3767957413"/>
       </p:ext>
     </p:extLst>
   </p:cSld>
@@ -4182,7 +4182,7 @@
     </p:spTree>
     <p:extLst>
       <p:ext uri="{BB962C8B-B14F-4D97-AF65-F5344CB8AC3E}">
-        <p14:creationId xmlns:p14="http://schemas.microsoft.com/office/powerpoint/2010/main" xmlns="" val="1235641584"/>
+        <p14:creationId xmlns="" xmlns:p14="http://schemas.microsoft.com/office/powerpoint/2010/main" val="1235641584"/>
       </p:ext>
     </p:extLst>
   </p:cSld>
@@ -4190,7 +4190,7 @@
     <a:masterClrMapping/>
   </p:clrMapOvr>
   <mc:AlternateContent xmlns:mc="http://schemas.openxmlformats.org/markup-compatibility/2006">
-    <mc:Choice xmlns:p14="http://schemas.microsoft.com/office/powerpoint/2010/main" xmlns="" Requires="p14">
+    <mc:Choice xmlns="" xmlns:p14="http://schemas.microsoft.com/office/powerpoint/2010/main" Requires="p14">
       <p:transition p14:dur="250">
         <p:fade/>
       </p:transition>
@@ -4686,7 +4686,7 @@
     </p:spTree>
     <p:extLst>
       <p:ext uri="{BB962C8B-B14F-4D97-AF65-F5344CB8AC3E}">
-        <p14:creationId xmlns:p14="http://schemas.microsoft.com/office/powerpoint/2010/main" xmlns="" val="1235641584"/>
+        <p14:creationId xmlns="" xmlns:p14="http://schemas.microsoft.com/office/powerpoint/2010/main" val="1235641584"/>
       </p:ext>
     </p:extLst>
   </p:cSld>
@@ -4694,7 +4694,7 @@
     <a:masterClrMapping/>
   </p:clrMapOvr>
   <mc:AlternateContent xmlns:mc="http://schemas.openxmlformats.org/markup-compatibility/2006">
-    <mc:Choice xmlns:p14="http://schemas.microsoft.com/office/powerpoint/2010/main" xmlns="" Requires="p14">
+    <mc:Choice xmlns="" xmlns:p14="http://schemas.microsoft.com/office/powerpoint/2010/main" Requires="p14">
       <p:transition p14:dur="250">
         <p:fade/>
       </p:transition>
@@ -5160,7 +5160,7 @@
     </p:spTree>
     <p:extLst>
       <p:ext uri="{BB962C8B-B14F-4D97-AF65-F5344CB8AC3E}">
-        <p14:creationId xmlns:p14="http://schemas.microsoft.com/office/powerpoint/2010/main" xmlns="" val="1235641584"/>
+        <p14:creationId xmlns="" xmlns:p14="http://schemas.microsoft.com/office/powerpoint/2010/main" val="1235641584"/>
       </p:ext>
     </p:extLst>
   </p:cSld>
@@ -5168,7 +5168,7 @@
     <a:masterClrMapping/>
   </p:clrMapOvr>
   <mc:AlternateContent xmlns:mc="http://schemas.openxmlformats.org/markup-compatibility/2006">
-    <mc:Choice xmlns:p14="http://schemas.microsoft.com/office/powerpoint/2010/main" xmlns="" Requires="p14">
+    <mc:Choice xmlns="" xmlns:p14="http://schemas.microsoft.com/office/powerpoint/2010/main" Requires="p14">
       <p:transition p14:dur="250">
         <p:fade/>
       </p:transition>
@@ -5689,7 +5689,7 @@
     </p:spTree>
     <p:extLst>
       <p:ext uri="{BB962C8B-B14F-4D97-AF65-F5344CB8AC3E}">
-        <p14:creationId xmlns:p14="http://schemas.microsoft.com/office/powerpoint/2010/main" xmlns="" val="1235641584"/>
+        <p14:creationId xmlns="" xmlns:p14="http://schemas.microsoft.com/office/powerpoint/2010/main" val="1235641584"/>
       </p:ext>
     </p:extLst>
   </p:cSld>
@@ -5697,7 +5697,7 @@
     <a:masterClrMapping/>
   </p:clrMapOvr>
   <mc:AlternateContent xmlns:mc="http://schemas.openxmlformats.org/markup-compatibility/2006">
-    <mc:Choice xmlns:p14="http://schemas.microsoft.com/office/powerpoint/2010/main" xmlns="" Requires="p14">
+    <mc:Choice xmlns="" xmlns:p14="http://schemas.microsoft.com/office/powerpoint/2010/main" Requires="p14">
       <p:transition p14:dur="250">
         <p:fade/>
       </p:transition>
@@ -5973,7 +5973,7 @@
   <a:extraClrSchemeLst/>
   <a:extLst>
     <a:ext uri="{05A4C25C-085E-4340-85A3-A5531E510DB2}">
-      <thm15:themeFamily xmlns:thm15="http://schemas.microsoft.com/office/thememl/2012/main" xmlns="" name="Office Theme" id="{62F939B6-93AF-4DB8-9C6B-D6C7DFDC589F}" vid="{4A3C46E8-61CC-4603-A589-7422A47A8E4A}"/>
+      <thm15:themeFamily xmlns="" xmlns:thm15="http://schemas.microsoft.com/office/thememl/2012/main" name="Office Theme" id="{62F939B6-93AF-4DB8-9C6B-D6C7DFDC589F}" vid="{4A3C46E8-61CC-4603-A589-7422A47A8E4A}"/>
     </a:ext>
   </a:extLst>
 </a:theme>
@@ -6234,7 +6234,7 @@
   <a:extraClrSchemeLst/>
   <a:extLst>
     <a:ext uri="{05A4C25C-085E-4340-85A3-A5531E510DB2}">
-      <thm15:themeFamily xmlns:thm15="http://schemas.microsoft.com/office/thememl/2012/main" xmlns="" name="Office Theme" id="{62F939B6-93AF-4DB8-9C6B-D6C7DFDC589F}" vid="{4A3C46E8-61CC-4603-A589-7422A47A8E4A}"/>
+      <thm15:themeFamily xmlns="" xmlns:thm15="http://schemas.microsoft.com/office/thememl/2012/main" name="Office Theme" id="{62F939B6-93AF-4DB8-9C6B-D6C7DFDC589F}" vid="{4A3C46E8-61CC-4603-A589-7422A47A8E4A}"/>
     </a:ext>
   </a:extLst>
 </a:theme>

--- a/slides/Jesper's workspace.pptx
+++ b/slides/Jesper's workspace.pptx
@@ -5,13 +5,14 @@
     <p:sldMasterId id="2147483663" r:id="rId1"/>
   </p:sldMasterIdLst>
   <p:notesMasterIdLst>
-    <p:notesMasterId r:id="rId6"/>
+    <p:notesMasterId r:id="rId7"/>
   </p:notesMasterIdLst>
   <p:sldIdLst>
-    <p:sldId id="291" r:id="rId2"/>
-    <p:sldId id="294" r:id="rId3"/>
-    <p:sldId id="292" r:id="rId4"/>
-    <p:sldId id="293" r:id="rId5"/>
+    <p:sldId id="295" r:id="rId2"/>
+    <p:sldId id="291" r:id="rId3"/>
+    <p:sldId id="294" r:id="rId4"/>
+    <p:sldId id="292" r:id="rId5"/>
+    <p:sldId id="293" r:id="rId6"/>
   </p:sldIdLst>
   <p:sldSz cx="9144000" cy="6858000" type="screen4x3"/>
   <p:notesSz cx="6858000" cy="9144000"/>
@@ -112,7 +113,7 @@
   </p:defaultTextStyle>
   <p:extLst>
     <p:ext uri="{EFAFB233-063F-42B5-8137-9DF3F51BA10A}">
-      <p15:sldGuideLst xmlns="" xmlns:p15="http://schemas.microsoft.com/office/powerpoint/2012/main"/>
+      <p15:sldGuideLst xmlns:p15="http://schemas.microsoft.com/office/powerpoint/2012/main" xmlns=""/>
     </p:ext>
   </p:extLst>
 </p:presentation>
@@ -370,7 +371,7 @@
     </p:spTree>
     <p:extLst>
       <p:ext uri="{BB962C8B-B14F-4D97-AF65-F5344CB8AC3E}">
-        <p14:creationId xmlns="" xmlns:p14="http://schemas.microsoft.com/office/powerpoint/2010/main" val="2250213317"/>
+        <p14:creationId xmlns:p14="http://schemas.microsoft.com/office/powerpoint/2010/main" xmlns="" val="2250213317"/>
       </p:ext>
     </p:extLst>
   </p:cSld>
@@ -545,7 +546,7 @@
     </p:spTree>
     <p:extLst>
       <p:ext uri="{BB962C8B-B14F-4D97-AF65-F5344CB8AC3E}">
-        <p14:creationId xmlns="" xmlns:p14="http://schemas.microsoft.com/office/powerpoint/2010/main" val="2186571349"/>
+        <p14:creationId xmlns:p14="http://schemas.microsoft.com/office/powerpoint/2010/main" xmlns="" val="2186571349"/>
       </p:ext>
     </p:extLst>
   </p:cSld>
@@ -630,7 +631,7 @@
     </p:spTree>
     <p:extLst>
       <p:ext uri="{BB962C8B-B14F-4D97-AF65-F5344CB8AC3E}">
-        <p14:creationId xmlns="" xmlns:p14="http://schemas.microsoft.com/office/powerpoint/2010/main" val="2186571349"/>
+        <p14:creationId xmlns:p14="http://schemas.microsoft.com/office/powerpoint/2010/main" xmlns="" val="2186571349"/>
       </p:ext>
     </p:extLst>
   </p:cSld>
@@ -715,7 +716,7 @@
     </p:spTree>
     <p:extLst>
       <p:ext uri="{BB962C8B-B14F-4D97-AF65-F5344CB8AC3E}">
-        <p14:creationId xmlns="" xmlns:p14="http://schemas.microsoft.com/office/powerpoint/2010/main" val="2186571349"/>
+        <p14:creationId xmlns:p14="http://schemas.microsoft.com/office/powerpoint/2010/main" xmlns="" val="2186571349"/>
       </p:ext>
     </p:extLst>
   </p:cSld>
@@ -800,7 +801,92 @@
     </p:spTree>
     <p:extLst>
       <p:ext uri="{BB962C8B-B14F-4D97-AF65-F5344CB8AC3E}">
-        <p14:creationId xmlns="" xmlns:p14="http://schemas.microsoft.com/office/powerpoint/2010/main" val="2186571349"/>
+        <p14:creationId xmlns:p14="http://schemas.microsoft.com/office/powerpoint/2010/main" xmlns="" val="2186571349"/>
+      </p:ext>
+    </p:extLst>
+  </p:cSld>
+  <p:clrMapOvr>
+    <a:masterClrMapping/>
+  </p:clrMapOvr>
+</p:notes>
+</file>
+
+<file path=ppt/notesSlides/notesSlide5.xml><?xml version="1.0" encoding="utf-8"?>
+<p:notes xmlns:a="http://schemas.openxmlformats.org/drawingml/2006/main" xmlns:r="http://schemas.openxmlformats.org/officeDocument/2006/relationships" xmlns:p="http://schemas.openxmlformats.org/presentationml/2006/main">
+  <p:cSld>
+    <p:spTree>
+      <p:nvGrpSpPr>
+        <p:cNvPr id="1" name=""/>
+        <p:cNvGrpSpPr/>
+        <p:nvPr/>
+      </p:nvGrpSpPr>
+      <p:grpSpPr>
+        <a:xfrm>
+          <a:off x="0" y="0"/>
+          <a:ext cx="0" cy="0"/>
+          <a:chOff x="0" y="0"/>
+          <a:chExt cx="0" cy="0"/>
+        </a:xfrm>
+      </p:grpSpPr>
+      <p:sp>
+        <p:nvSpPr>
+          <p:cNvPr id="2" name="Slide Image Placeholder 1"/>
+          <p:cNvSpPr>
+            <a:spLocks noGrp="1" noRot="1" noChangeAspect="1"/>
+          </p:cNvSpPr>
+          <p:nvPr>
+            <p:ph type="sldImg"/>
+          </p:nvPr>
+        </p:nvSpPr>
+        <p:spPr/>
+      </p:sp>
+      <p:sp>
+        <p:nvSpPr>
+          <p:cNvPr id="3" name="Notes Placeholder 2"/>
+          <p:cNvSpPr>
+            <a:spLocks noGrp="1"/>
+          </p:cNvSpPr>
+          <p:nvPr>
+            <p:ph type="body" idx="1"/>
+          </p:nvPr>
+        </p:nvSpPr>
+        <p:spPr/>
+        <p:txBody>
+          <a:bodyPr/>
+          <a:lstStyle/>
+          <a:p>
+            <a:endParaRPr lang="da-DK" dirty="0"/>
+          </a:p>
+        </p:txBody>
+      </p:sp>
+      <p:sp>
+        <p:nvSpPr>
+          <p:cNvPr id="4" name="Slide Number Placeholder 3"/>
+          <p:cNvSpPr>
+            <a:spLocks noGrp="1"/>
+          </p:cNvSpPr>
+          <p:nvPr>
+            <p:ph type="sldNum" sz="quarter" idx="10"/>
+          </p:nvPr>
+        </p:nvSpPr>
+        <p:spPr/>
+        <p:txBody>
+          <a:bodyPr/>
+          <a:lstStyle/>
+          <a:p>
+            <a:fld id="{1AB25B94-4E10-44D2-A035-418132905008}" type="slidenum">
+              <a:rPr lang="da-DK" smtClean="0"/>
+              <a:pPr/>
+              <a:t>5</a:t>
+            </a:fld>
+            <a:endParaRPr lang="da-DK"/>
+          </a:p>
+        </p:txBody>
+      </p:sp>
+    </p:spTree>
+    <p:extLst>
+      <p:ext uri="{BB962C8B-B14F-4D97-AF65-F5344CB8AC3E}">
+        <p14:creationId xmlns:p14="http://schemas.microsoft.com/office/powerpoint/2010/main" xmlns="" val="2186571349"/>
       </p:ext>
     </p:extLst>
   </p:cSld>
@@ -994,7 +1080,7 @@
     </p:spTree>
     <p:extLst>
       <p:ext uri="{BB962C8B-B14F-4D97-AF65-F5344CB8AC3E}">
-        <p14:creationId xmlns="" xmlns:p14="http://schemas.microsoft.com/office/powerpoint/2010/main" val="2929521730"/>
+        <p14:creationId xmlns:p14="http://schemas.microsoft.com/office/powerpoint/2010/main" xmlns="" val="2929521730"/>
       </p:ext>
     </p:extLst>
   </p:cSld>
@@ -1166,7 +1252,7 @@
     </p:spTree>
     <p:extLst>
       <p:ext uri="{BB962C8B-B14F-4D97-AF65-F5344CB8AC3E}">
-        <p14:creationId xmlns="" xmlns:p14="http://schemas.microsoft.com/office/powerpoint/2010/main" val="995707884"/>
+        <p14:creationId xmlns:p14="http://schemas.microsoft.com/office/powerpoint/2010/main" xmlns="" val="995707884"/>
       </p:ext>
     </p:extLst>
   </p:cSld>
@@ -1348,7 +1434,7 @@
     </p:spTree>
     <p:extLst>
       <p:ext uri="{BB962C8B-B14F-4D97-AF65-F5344CB8AC3E}">
-        <p14:creationId xmlns="" xmlns:p14="http://schemas.microsoft.com/office/powerpoint/2010/main" val="1441491967"/>
+        <p14:creationId xmlns:p14="http://schemas.microsoft.com/office/powerpoint/2010/main" xmlns="" val="1441491967"/>
       </p:ext>
     </p:extLst>
   </p:cSld>
@@ -1378,7 +1464,7 @@
     </p:spTree>
     <p:extLst>
       <p:ext uri="{BB962C8B-B14F-4D97-AF65-F5344CB8AC3E}">
-        <p14:creationId xmlns="" xmlns:p14="http://schemas.microsoft.com/office/powerpoint/2010/main" val="3082572901"/>
+        <p14:creationId xmlns:p14="http://schemas.microsoft.com/office/powerpoint/2010/main" xmlns="" val="3082572901"/>
       </p:ext>
     </p:extLst>
   </p:cSld>
@@ -1550,7 +1636,7 @@
     </p:spTree>
     <p:extLst>
       <p:ext uri="{BB962C8B-B14F-4D97-AF65-F5344CB8AC3E}">
-        <p14:creationId xmlns="" xmlns:p14="http://schemas.microsoft.com/office/powerpoint/2010/main" val="3551489324"/>
+        <p14:creationId xmlns:p14="http://schemas.microsoft.com/office/powerpoint/2010/main" xmlns="" val="3551489324"/>
       </p:ext>
     </p:extLst>
   </p:cSld>
@@ -1796,7 +1882,7 @@
     </p:spTree>
     <p:extLst>
       <p:ext uri="{BB962C8B-B14F-4D97-AF65-F5344CB8AC3E}">
-        <p14:creationId xmlns="" xmlns:p14="http://schemas.microsoft.com/office/powerpoint/2010/main" val="2284547105"/>
+        <p14:creationId xmlns:p14="http://schemas.microsoft.com/office/powerpoint/2010/main" xmlns="" val="2284547105"/>
       </p:ext>
     </p:extLst>
   </p:cSld>
@@ -2030,7 +2116,7 @@
     </p:spTree>
     <p:extLst>
       <p:ext uri="{BB962C8B-B14F-4D97-AF65-F5344CB8AC3E}">
-        <p14:creationId xmlns="" xmlns:p14="http://schemas.microsoft.com/office/powerpoint/2010/main" val="4001931575"/>
+        <p14:creationId xmlns:p14="http://schemas.microsoft.com/office/powerpoint/2010/main" xmlns="" val="4001931575"/>
       </p:ext>
     </p:extLst>
   </p:cSld>
@@ -2399,7 +2485,7 @@
     </p:spTree>
     <p:extLst>
       <p:ext uri="{BB962C8B-B14F-4D97-AF65-F5344CB8AC3E}">
-        <p14:creationId xmlns="" xmlns:p14="http://schemas.microsoft.com/office/powerpoint/2010/main" val="3416615220"/>
+        <p14:creationId xmlns:p14="http://schemas.microsoft.com/office/powerpoint/2010/main" xmlns="" val="3416615220"/>
       </p:ext>
     </p:extLst>
   </p:cSld>
@@ -2519,7 +2605,7 @@
     </p:spTree>
     <p:extLst>
       <p:ext uri="{BB962C8B-B14F-4D97-AF65-F5344CB8AC3E}">
-        <p14:creationId xmlns="" xmlns:p14="http://schemas.microsoft.com/office/powerpoint/2010/main" val="3268632796"/>
+        <p14:creationId xmlns:p14="http://schemas.microsoft.com/office/powerpoint/2010/main" xmlns="" val="3268632796"/>
       </p:ext>
     </p:extLst>
   </p:cSld>
@@ -2616,7 +2702,7 @@
     </p:spTree>
     <p:extLst>
       <p:ext uri="{BB962C8B-B14F-4D97-AF65-F5344CB8AC3E}">
-        <p14:creationId xmlns="" xmlns:p14="http://schemas.microsoft.com/office/powerpoint/2010/main" val="3202428774"/>
+        <p14:creationId xmlns:p14="http://schemas.microsoft.com/office/powerpoint/2010/main" xmlns="" val="3202428774"/>
       </p:ext>
     </p:extLst>
   </p:cSld>
@@ -2895,7 +2981,7 @@
     </p:spTree>
     <p:extLst>
       <p:ext uri="{BB962C8B-B14F-4D97-AF65-F5344CB8AC3E}">
-        <p14:creationId xmlns="" xmlns:p14="http://schemas.microsoft.com/office/powerpoint/2010/main" val="725834152"/>
+        <p14:creationId xmlns:p14="http://schemas.microsoft.com/office/powerpoint/2010/main" xmlns="" val="725834152"/>
       </p:ext>
     </p:extLst>
   </p:cSld>
@@ -3154,7 +3240,7 @@
     </p:spTree>
     <p:extLst>
       <p:ext uri="{BB962C8B-B14F-4D97-AF65-F5344CB8AC3E}">
-        <p14:creationId xmlns="" xmlns:p14="http://schemas.microsoft.com/office/powerpoint/2010/main" val="2829104868"/>
+        <p14:creationId xmlns:p14="http://schemas.microsoft.com/office/powerpoint/2010/main" xmlns="" val="2829104868"/>
       </p:ext>
     </p:extLst>
   </p:cSld>
@@ -3405,7 +3491,7 @@
     </p:spTree>
     <p:extLst>
       <p:ext uri="{BB962C8B-B14F-4D97-AF65-F5344CB8AC3E}">
-        <p14:creationId xmlns="" xmlns:p14="http://schemas.microsoft.com/office/powerpoint/2010/main" val="3767957413"/>
+        <p14:creationId xmlns:p14="http://schemas.microsoft.com/office/powerpoint/2010/main" xmlns="" val="3767957413"/>
       </p:ext>
     </p:extLst>
   </p:cSld>
@@ -3762,7 +3848,7 @@
                 <a:latin typeface="Arial"/>
                 <a:cs typeface="Arial"/>
               </a:rPr>
-              <a:t>Model Component</a:t>
+              <a:t>Architecture</a:t>
             </a:r>
             <a:endParaRPr lang="en-GB" sz="2400" kern="0" cap="all" spc="200" dirty="0">
               <a:solidFill>
@@ -3796,36 +3882,6 @@
             <a:noAutofit/>
           </a:bodyPr>
           <a:lstStyle/>
-          <a:p>
-            <a:pPr marL="12700"/>
-            <a:r>
-              <a:rPr lang="en-US" b="1" cap="all" spc="200" dirty="0" smtClean="0">
-                <a:solidFill>
-                  <a:schemeClr val="accent1">
-                    <a:lumMod val="75000"/>
-                  </a:schemeClr>
-                </a:solidFill>
-                <a:latin typeface="Arial"/>
-                <a:cs typeface="Arial"/>
-              </a:rPr>
-              <a:t>the model resembles the</a:t>
-            </a:r>
-          </a:p>
-          <a:p>
-            <a:pPr marL="12700"/>
-            <a:r>
-              <a:rPr lang="en-US" b="1" cap="all" spc="200" dirty="0" smtClean="0">
-                <a:solidFill>
-                  <a:schemeClr val="accent1">
-                    <a:lumMod val="75000"/>
-                  </a:schemeClr>
-                </a:solidFill>
-                <a:latin typeface="Arial"/>
-                <a:cs typeface="Arial"/>
-              </a:rPr>
-              <a:t>relational database</a:t>
-            </a:r>
-          </a:p>
           <a:p>
             <a:pPr marL="12700"/>
             <a:endParaRPr lang="en-US" sz="1400" b="1" cap="all" spc="200" dirty="0" smtClean="0">
@@ -4161,19 +4217,19 @@
       </p:sp>
       <p:graphicFrame>
         <p:nvGraphicFramePr>
-          <p:cNvPr id="2051" name="Object 3"/>
+          <p:cNvPr id="23556" name="Object 4"/>
           <p:cNvGraphicFramePr>
             <a:graphicFrameLocks noChangeAspect="1"/>
           </p:cNvGraphicFramePr>
           <p:nvPr/>
         </p:nvGraphicFramePr>
         <p:xfrm>
-          <a:off x="2106956" y="1732058"/>
-          <a:ext cx="4976356" cy="4106882"/>
+          <a:off x="613750" y="1523330"/>
+          <a:ext cx="7834682" cy="3511378"/>
         </p:xfrm>
         <a:graphic>
           <a:graphicData uri="http://schemas.openxmlformats.org/presentationml/2006/ole">
-            <p:oleObj spid="_x0000_s2051" name="Visio" r:id="rId4" imgW="3858670" imgH="3185620" progId="Visio.Drawing.11">
+            <p:oleObj spid="_x0000_s23556" name="Visio" r:id="rId4" imgW="4763729" imgH="2134750" progId="Visio.Drawing.11">
               <p:embed/>
             </p:oleObj>
           </a:graphicData>
@@ -4182,7 +4238,7 @@
     </p:spTree>
     <p:extLst>
       <p:ext uri="{BB962C8B-B14F-4D97-AF65-F5344CB8AC3E}">
-        <p14:creationId xmlns="" xmlns:p14="http://schemas.microsoft.com/office/powerpoint/2010/main" val="1235641584"/>
+        <p14:creationId xmlns:p14="http://schemas.microsoft.com/office/powerpoint/2010/main" xmlns="" val="1235641584"/>
       </p:ext>
     </p:extLst>
   </p:cSld>
@@ -4190,7 +4246,7 @@
     <a:masterClrMapping/>
   </p:clrMapOvr>
   <mc:AlternateContent xmlns:mc="http://schemas.openxmlformats.org/markup-compatibility/2006">
-    <mc:Choice xmlns="" xmlns:p14="http://schemas.microsoft.com/office/powerpoint/2010/main" Requires="p14">
+    <mc:Choice xmlns:p14="http://schemas.microsoft.com/office/powerpoint/2010/main" xmlns="" Requires="p14">
       <p:transition p14:dur="250">
         <p:fade/>
       </p:transition>
@@ -4665,19 +4721,19 @@
       </p:sp>
       <p:graphicFrame>
         <p:nvGraphicFramePr>
-          <p:cNvPr id="2053" name="Object 5"/>
+          <p:cNvPr id="2051" name="Object 3"/>
           <p:cNvGraphicFramePr>
             <a:graphicFrameLocks noChangeAspect="1"/>
           </p:cNvGraphicFramePr>
           <p:nvPr/>
         </p:nvGraphicFramePr>
         <p:xfrm>
-          <a:off x="2078459" y="1843699"/>
-          <a:ext cx="5060897" cy="3951173"/>
+          <a:off x="2106956" y="1732058"/>
+          <a:ext cx="4976356" cy="4106882"/>
         </p:xfrm>
         <a:graphic>
           <a:graphicData uri="http://schemas.openxmlformats.org/presentationml/2006/ole">
-            <p:oleObj spid="_x0000_s19459" name="Visio" r:id="rId4" imgW="12818127" imgH="10006086" progId="Visio.Drawing.11">
+            <p:oleObj spid="_x0000_s2051" name="Visio" r:id="rId4" imgW="3858670" imgH="3185620" progId="Visio.Drawing.11">
               <p:embed/>
             </p:oleObj>
           </a:graphicData>
@@ -4686,7 +4742,7 @@
     </p:spTree>
     <p:extLst>
       <p:ext uri="{BB962C8B-B14F-4D97-AF65-F5344CB8AC3E}">
-        <p14:creationId xmlns="" xmlns:p14="http://schemas.microsoft.com/office/powerpoint/2010/main" val="1235641584"/>
+        <p14:creationId xmlns:p14="http://schemas.microsoft.com/office/powerpoint/2010/main" xmlns="" val="1235641584"/>
       </p:ext>
     </p:extLst>
   </p:cSld>
@@ -4694,7 +4750,7 @@
     <a:masterClrMapping/>
   </p:clrMapOvr>
   <mc:AlternateContent xmlns:mc="http://schemas.openxmlformats.org/markup-compatibility/2006">
-    <mc:Choice xmlns="" xmlns:p14="http://schemas.microsoft.com/office/powerpoint/2010/main" Requires="p14">
+    <mc:Choice xmlns:p14="http://schemas.microsoft.com/office/powerpoint/2010/main" xmlns="" Requires="p14">
       <p:transition p14:dur="250">
         <p:fade/>
       </p:transition>
@@ -4770,7 +4826,7 @@
                 <a:latin typeface="Arial"/>
                 <a:cs typeface="Arial"/>
               </a:rPr>
-              <a:t>Entity-Relationship Diagram</a:t>
+              <a:t>Model Component</a:t>
             </a:r>
             <a:endParaRPr lang="en-GB" sz="2400" kern="0" cap="all" spc="200" dirty="0">
               <a:solidFill>
@@ -4804,6 +4860,36 @@
             <a:noAutofit/>
           </a:bodyPr>
           <a:lstStyle/>
+          <a:p>
+            <a:pPr marL="12700"/>
+            <a:r>
+              <a:rPr lang="en-US" b="1" cap="all" spc="200" dirty="0" smtClean="0">
+                <a:solidFill>
+                  <a:schemeClr val="accent1">
+                    <a:lumMod val="75000"/>
+                  </a:schemeClr>
+                </a:solidFill>
+                <a:latin typeface="Arial"/>
+                <a:cs typeface="Arial"/>
+              </a:rPr>
+              <a:t>the model resembles the</a:t>
+            </a:r>
+          </a:p>
+          <a:p>
+            <a:pPr marL="12700"/>
+            <a:r>
+              <a:rPr lang="en-US" b="1" cap="all" spc="200" dirty="0" smtClean="0">
+                <a:solidFill>
+                  <a:schemeClr val="accent1">
+                    <a:lumMod val="75000"/>
+                  </a:schemeClr>
+                </a:solidFill>
+                <a:latin typeface="Arial"/>
+                <a:cs typeface="Arial"/>
+              </a:rPr>
+              <a:t>relational database</a:t>
+            </a:r>
+          </a:p>
           <a:p>
             <a:pPr marL="12700"/>
             <a:endParaRPr lang="en-US" sz="1400" b="1" cap="all" spc="200" dirty="0" smtClean="0">
@@ -5139,19 +5225,19 @@
       </p:sp>
       <p:graphicFrame>
         <p:nvGraphicFramePr>
-          <p:cNvPr id="3076" name="Object 4"/>
+          <p:cNvPr id="2053" name="Object 5"/>
           <p:cNvGraphicFramePr>
             <a:graphicFrameLocks noChangeAspect="1"/>
           </p:cNvGraphicFramePr>
           <p:nvPr/>
         </p:nvGraphicFramePr>
         <p:xfrm>
-          <a:off x="663754" y="1053151"/>
-          <a:ext cx="7893649" cy="4641466"/>
+          <a:off x="2078459" y="1843699"/>
+          <a:ext cx="5060897" cy="3951173"/>
         </p:xfrm>
         <a:graphic>
           <a:graphicData uri="http://schemas.openxmlformats.org/presentationml/2006/ole">
-            <p:oleObj spid="_x0000_s3076" name="Visio" r:id="rId4" imgW="6349780" imgH="3733534" progId="Visio.Drawing.11">
+            <p:oleObj spid="_x0000_s19459" name="Visio" r:id="rId4" imgW="12818127" imgH="10006086" progId="Visio.Drawing.11">
               <p:embed/>
             </p:oleObj>
           </a:graphicData>
@@ -5160,7 +5246,7 @@
     </p:spTree>
     <p:extLst>
       <p:ext uri="{BB962C8B-B14F-4D97-AF65-F5344CB8AC3E}">
-        <p14:creationId xmlns="" xmlns:p14="http://schemas.microsoft.com/office/powerpoint/2010/main" val="1235641584"/>
+        <p14:creationId xmlns:p14="http://schemas.microsoft.com/office/powerpoint/2010/main" xmlns="" val="1235641584"/>
       </p:ext>
     </p:extLst>
   </p:cSld>
@@ -5168,7 +5254,7 @@
     <a:masterClrMapping/>
   </p:clrMapOvr>
   <mc:AlternateContent xmlns:mc="http://schemas.openxmlformats.org/markup-compatibility/2006">
-    <mc:Choice xmlns="" xmlns:p14="http://schemas.microsoft.com/office/powerpoint/2010/main" Requires="p14">
+    <mc:Choice xmlns:p14="http://schemas.microsoft.com/office/powerpoint/2010/main" xmlns="" Requires="p14">
       <p:transition p14:dur="250">
         <p:fade/>
       </p:transition>
@@ -5244,6 +5330,480 @@
                 <a:latin typeface="Arial"/>
                 <a:cs typeface="Arial"/>
               </a:rPr>
+              <a:t>Entity-Relationship Diagram</a:t>
+            </a:r>
+            <a:endParaRPr lang="en-GB" sz="2400" kern="0" cap="all" spc="200" dirty="0">
+              <a:solidFill>
+                <a:schemeClr val="tx2">
+                  <a:lumMod val="50000"/>
+                </a:schemeClr>
+              </a:solidFill>
+              <a:latin typeface="Arial"/>
+              <a:cs typeface="Arial"/>
+            </a:endParaRPr>
+          </a:p>
+        </p:txBody>
+      </p:sp>
+      <p:sp>
+        <p:nvSpPr>
+          <p:cNvPr id="3" name="object 3"/>
+          <p:cNvSpPr txBox="1"/>
+          <p:nvPr/>
+        </p:nvSpPr>
+        <p:spPr>
+          <a:xfrm>
+            <a:off x="626301" y="1155202"/>
+            <a:ext cx="6115876" cy="4074001"/>
+          </a:xfrm>
+          <a:prstGeom prst="rect">
+            <a:avLst/>
+          </a:prstGeom>
+        </p:spPr>
+        <p:txBody>
+          <a:bodyPr vert="horz" wrap="square" lIns="0" tIns="0" rIns="0" bIns="0" rtlCol="0">
+            <a:noAutofit/>
+          </a:bodyPr>
+          <a:lstStyle/>
+          <a:p>
+            <a:pPr marL="12700"/>
+            <a:endParaRPr lang="en-US" sz="1400" b="1" cap="all" spc="200" dirty="0" smtClean="0">
+              <a:solidFill>
+                <a:schemeClr val="accent1">
+                  <a:lumMod val="75000"/>
+                </a:schemeClr>
+              </a:solidFill>
+              <a:latin typeface="Arial"/>
+              <a:cs typeface="Arial"/>
+            </a:endParaRPr>
+          </a:p>
+          <a:p>
+            <a:pPr marL="12700"/>
+            <a:endParaRPr lang="en-GB" sz="1400" cap="all" spc="200" dirty="0">
+              <a:solidFill>
+                <a:schemeClr val="accent1">
+                  <a:lumMod val="75000"/>
+                </a:schemeClr>
+              </a:solidFill>
+              <a:latin typeface="Arial"/>
+              <a:cs typeface="Arial"/>
+            </a:endParaRPr>
+          </a:p>
+        </p:txBody>
+      </p:sp>
+      <p:sp>
+        <p:nvSpPr>
+          <p:cNvPr id="9" name="object 7"/>
+          <p:cNvSpPr txBox="1"/>
+          <p:nvPr/>
+        </p:nvSpPr>
+        <p:spPr>
+          <a:xfrm>
+            <a:off x="2743201" y="6137891"/>
+            <a:ext cx="3682707" cy="294005"/>
+          </a:xfrm>
+          <a:prstGeom prst="rect">
+            <a:avLst/>
+          </a:prstGeom>
+        </p:spPr>
+        <p:txBody>
+          <a:bodyPr vert="horz" wrap="square" lIns="0" tIns="0" rIns="0" bIns="0" rtlCol="0">
+            <a:noAutofit/>
+          </a:bodyPr>
+          <a:lstStyle/>
+          <a:p>
+            <a:pPr algn="ctr">
+              <a:lnSpc>
+                <a:spcPct val="100000"/>
+              </a:lnSpc>
+            </a:pPr>
+            <a:r>
+              <a:rPr lang="da-DK" sz="851" b="1" kern="0" cap="all" spc="200" dirty="0">
+                <a:solidFill>
+                  <a:schemeClr val="tx1">
+                    <a:lumMod val="50000"/>
+                    <a:lumOff val="50000"/>
+                  </a:schemeClr>
+                </a:solidFill>
+                <a:latin typeface="Arial"/>
+                <a:cs typeface="Arial"/>
+              </a:rPr>
+              <a:t>Department of computer science</a:t>
+            </a:r>
+            <a:endParaRPr sz="851" b="1" kern="0" cap="all" spc="200" dirty="0">
+              <a:solidFill>
+                <a:schemeClr val="tx1">
+                  <a:lumMod val="50000"/>
+                  <a:lumOff val="50000"/>
+                </a:schemeClr>
+              </a:solidFill>
+              <a:latin typeface="Arial"/>
+              <a:cs typeface="Arial"/>
+            </a:endParaRPr>
+          </a:p>
+          <a:p>
+            <a:pPr marR="20319" algn="ctr">
+              <a:spcBef>
+                <a:spcPts val="180"/>
+              </a:spcBef>
+            </a:pPr>
+            <a:r>
+              <a:rPr sz="851" kern="0" cap="all" spc="200" dirty="0">
+                <a:solidFill>
+                  <a:schemeClr val="tx1">
+                    <a:lumMod val="50000"/>
+                    <a:lumOff val="50000"/>
+                  </a:schemeClr>
+                </a:solidFill>
+                <a:latin typeface="Arial"/>
+                <a:cs typeface="Arial"/>
+              </a:rPr>
+              <a:t>AALBORG</a:t>
+            </a:r>
+            <a:r>
+              <a:rPr lang="da-DK" sz="851" kern="0" cap="all" spc="200" dirty="0">
+                <a:solidFill>
+                  <a:schemeClr val="tx1">
+                    <a:lumMod val="50000"/>
+                    <a:lumOff val="50000"/>
+                  </a:schemeClr>
+                </a:solidFill>
+                <a:latin typeface="Arial"/>
+                <a:cs typeface="Arial"/>
+              </a:rPr>
+              <a:t> UNIVERSITy</a:t>
+            </a:r>
+            <a:endParaRPr sz="851" kern="0" cap="all" spc="200" dirty="0">
+              <a:solidFill>
+                <a:schemeClr val="tx1">
+                  <a:lumMod val="50000"/>
+                  <a:lumOff val="50000"/>
+                </a:schemeClr>
+              </a:solidFill>
+              <a:latin typeface="Arial"/>
+              <a:cs typeface="Arial"/>
+            </a:endParaRPr>
+          </a:p>
+        </p:txBody>
+      </p:sp>
+      <p:sp>
+        <p:nvSpPr>
+          <p:cNvPr id="12" name="object 4"/>
+          <p:cNvSpPr txBox="1">
+            <a:spLocks/>
+          </p:cNvSpPr>
+          <p:nvPr/>
+        </p:nvSpPr>
+        <p:spPr>
+          <a:xfrm>
+            <a:off x="2540147" y="5952021"/>
+            <a:ext cx="4343400" cy="143981"/>
+          </a:xfrm>
+          <a:prstGeom prst="rect">
+            <a:avLst/>
+          </a:prstGeom>
+        </p:spPr>
+        <p:txBody>
+          <a:bodyPr vert="horz" wrap="square" lIns="0" tIns="0" rIns="0" bIns="0" rtlCol="0" anchor="ctr">
+            <a:noAutofit/>
+          </a:bodyPr>
+          <a:lstStyle>
+            <a:defPPr>
+              <a:defRPr lang="da-DK"/>
+            </a:defPPr>
+            <a:lvl1pPr marL="0" algn="ctr" defTabSz="914400" rtl="0" eaLnBrk="1" latinLnBrk="0" hangingPunct="1">
+              <a:defRPr sz="1200" kern="1200">
+                <a:solidFill>
+                  <a:schemeClr val="tx1">
+                    <a:tint val="75000"/>
+                  </a:schemeClr>
+                </a:solidFill>
+                <a:latin typeface="+mn-lt"/>
+                <a:ea typeface="+mn-ea"/>
+                <a:cs typeface="+mn-cs"/>
+              </a:defRPr>
+            </a:lvl1pPr>
+            <a:lvl2pPr marL="457200" algn="l" defTabSz="914400" rtl="0" eaLnBrk="1" latinLnBrk="0" hangingPunct="1">
+              <a:defRPr sz="1800" kern="1200">
+                <a:solidFill>
+                  <a:schemeClr val="tx1"/>
+                </a:solidFill>
+                <a:latin typeface="+mn-lt"/>
+                <a:ea typeface="+mn-ea"/>
+                <a:cs typeface="+mn-cs"/>
+              </a:defRPr>
+            </a:lvl2pPr>
+            <a:lvl3pPr marL="914400" algn="l" defTabSz="914400" rtl="0" eaLnBrk="1" latinLnBrk="0" hangingPunct="1">
+              <a:defRPr sz="1800" kern="1200">
+                <a:solidFill>
+                  <a:schemeClr val="tx1"/>
+                </a:solidFill>
+                <a:latin typeface="+mn-lt"/>
+                <a:ea typeface="+mn-ea"/>
+                <a:cs typeface="+mn-cs"/>
+              </a:defRPr>
+            </a:lvl3pPr>
+            <a:lvl4pPr marL="1371600" algn="l" defTabSz="914400" rtl="0" eaLnBrk="1" latinLnBrk="0" hangingPunct="1">
+              <a:defRPr sz="1800" kern="1200">
+                <a:solidFill>
+                  <a:schemeClr val="tx1"/>
+                </a:solidFill>
+                <a:latin typeface="+mn-lt"/>
+                <a:ea typeface="+mn-ea"/>
+                <a:cs typeface="+mn-cs"/>
+              </a:defRPr>
+            </a:lvl4pPr>
+            <a:lvl5pPr marL="1828800" algn="l" defTabSz="914400" rtl="0" eaLnBrk="1" latinLnBrk="0" hangingPunct="1">
+              <a:defRPr sz="1800" kern="1200">
+                <a:solidFill>
+                  <a:schemeClr val="tx1"/>
+                </a:solidFill>
+                <a:latin typeface="+mn-lt"/>
+                <a:ea typeface="+mn-ea"/>
+                <a:cs typeface="+mn-cs"/>
+              </a:defRPr>
+            </a:lvl5pPr>
+            <a:lvl6pPr marL="2286000" algn="l" defTabSz="914400" rtl="0" eaLnBrk="1" latinLnBrk="0" hangingPunct="1">
+              <a:defRPr sz="1800" kern="1200">
+                <a:solidFill>
+                  <a:schemeClr val="tx1"/>
+                </a:solidFill>
+                <a:latin typeface="+mn-lt"/>
+                <a:ea typeface="+mn-ea"/>
+                <a:cs typeface="+mn-cs"/>
+              </a:defRPr>
+            </a:lvl6pPr>
+            <a:lvl7pPr marL="2743200" algn="l" defTabSz="914400" rtl="0" eaLnBrk="1" latinLnBrk="0" hangingPunct="1">
+              <a:defRPr sz="1800" kern="1200">
+                <a:solidFill>
+                  <a:schemeClr val="tx1"/>
+                </a:solidFill>
+                <a:latin typeface="+mn-lt"/>
+                <a:ea typeface="+mn-ea"/>
+                <a:cs typeface="+mn-cs"/>
+              </a:defRPr>
+            </a:lvl7pPr>
+            <a:lvl8pPr marL="3200400" algn="l" defTabSz="914400" rtl="0" eaLnBrk="1" latinLnBrk="0" hangingPunct="1">
+              <a:defRPr sz="1800" kern="1200">
+                <a:solidFill>
+                  <a:schemeClr val="tx1"/>
+                </a:solidFill>
+                <a:latin typeface="+mn-lt"/>
+                <a:ea typeface="+mn-ea"/>
+                <a:cs typeface="+mn-cs"/>
+              </a:defRPr>
+            </a:lvl8pPr>
+            <a:lvl9pPr marL="3657600" algn="l" defTabSz="914400" rtl="0" eaLnBrk="1" latinLnBrk="0" hangingPunct="1">
+              <a:defRPr sz="1800" kern="1200">
+                <a:solidFill>
+                  <a:schemeClr val="tx1"/>
+                </a:solidFill>
+                <a:latin typeface="+mn-lt"/>
+                <a:ea typeface="+mn-ea"/>
+                <a:cs typeface="+mn-cs"/>
+              </a:defRPr>
+            </a:lvl9pPr>
+          </a:lstStyle>
+          <a:p>
+            <a:pPr marL="12700"/>
+            <a:fld id="{80E1DA1B-E50B-4430-BFAD-650A8158D5AA}" type="slidenum">
+              <a:rPr lang="da-DK" sz="851" b="1" kern="0" cap="all" spc="200" dirty="0">
+                <a:solidFill>
+                  <a:schemeClr val="tx1">
+                    <a:lumMod val="50000"/>
+                    <a:lumOff val="50000"/>
+                  </a:schemeClr>
+                </a:solidFill>
+                <a:latin typeface="Arial"/>
+                <a:cs typeface="Arial"/>
+              </a:rPr>
+              <a:pPr marL="12700"/>
+              <a:t>4</a:t>
+            </a:fld>
+            <a:r>
+              <a:rPr lang="da-DK" sz="851" b="1" kern="0" cap="all" spc="200" dirty="0" smtClean="0">
+                <a:solidFill>
+                  <a:schemeClr val="tx1">
+                    <a:lumMod val="50000"/>
+                    <a:lumOff val="50000"/>
+                  </a:schemeClr>
+                </a:solidFill>
+                <a:latin typeface="Arial"/>
+                <a:cs typeface="Arial"/>
+              </a:rPr>
+              <a:t> </a:t>
+            </a:r>
+            <a:r>
+              <a:rPr lang="da-DK" sz="851" b="1" kern="0" cap="all" spc="200" dirty="0">
+                <a:solidFill>
+                  <a:schemeClr val="tx1">
+                    <a:lumMod val="50000"/>
+                    <a:lumOff val="50000"/>
+                  </a:schemeClr>
+                </a:solidFill>
+                <a:latin typeface="Arial"/>
+                <a:cs typeface="Arial"/>
+              </a:rPr>
+              <a:t>OF </a:t>
+            </a:r>
+            <a:r>
+              <a:rPr lang="da-DK" sz="851" b="1" kern="0" cap="all" spc="200" dirty="0" smtClean="0">
+                <a:solidFill>
+                  <a:schemeClr val="tx1">
+                    <a:lumMod val="50000"/>
+                    <a:lumOff val="50000"/>
+                  </a:schemeClr>
+                </a:solidFill>
+                <a:latin typeface="Arial"/>
+                <a:cs typeface="Arial"/>
+              </a:rPr>
+              <a:t>32  </a:t>
+            </a:r>
+            <a:r>
+              <a:rPr lang="da-DK" sz="851" b="1" kern="0" cap="all" spc="200" dirty="0">
+                <a:solidFill>
+                  <a:schemeClr val="tx1">
+                    <a:lumMod val="50000"/>
+                    <a:lumOff val="50000"/>
+                  </a:schemeClr>
+                </a:solidFill>
+                <a:latin typeface="Arial"/>
+                <a:cs typeface="Arial"/>
+              </a:rPr>
+              <a:t>| </a:t>
+            </a:r>
+            <a:r>
+              <a:rPr lang="da-DK" sz="851" b="1" kern="0" spc="200" dirty="0">
+                <a:solidFill>
+                  <a:schemeClr val="tx1">
+                    <a:lumMod val="50000"/>
+                    <a:lumOff val="50000"/>
+                  </a:schemeClr>
+                </a:solidFill>
+                <a:latin typeface="Arial"/>
+                <a:cs typeface="Arial"/>
+              </a:rPr>
+              <a:t>15.02.2014</a:t>
+            </a:r>
+            <a:endParaRPr lang="da-DK" sz="851" kern="0" cap="all" spc="200" dirty="0">
+              <a:solidFill>
+                <a:schemeClr val="tx1">
+                  <a:lumMod val="50000"/>
+                  <a:lumOff val="50000"/>
+                </a:schemeClr>
+              </a:solidFill>
+              <a:latin typeface="Arial"/>
+              <a:cs typeface="Arial"/>
+            </a:endParaRPr>
+          </a:p>
+        </p:txBody>
+      </p:sp>
+      <p:graphicFrame>
+        <p:nvGraphicFramePr>
+          <p:cNvPr id="3076" name="Object 4"/>
+          <p:cNvGraphicFramePr>
+            <a:graphicFrameLocks noChangeAspect="1"/>
+          </p:cNvGraphicFramePr>
+          <p:nvPr/>
+        </p:nvGraphicFramePr>
+        <p:xfrm>
+          <a:off x="663754" y="1053151"/>
+          <a:ext cx="7893649" cy="4641466"/>
+        </p:xfrm>
+        <a:graphic>
+          <a:graphicData uri="http://schemas.openxmlformats.org/presentationml/2006/ole">
+            <p:oleObj spid="_x0000_s3076" name="Visio" r:id="rId4" imgW="6349780" imgH="3733534" progId="Visio.Drawing.11">
+              <p:embed/>
+            </p:oleObj>
+          </a:graphicData>
+        </a:graphic>
+      </p:graphicFrame>
+    </p:spTree>
+    <p:extLst>
+      <p:ext uri="{BB962C8B-B14F-4D97-AF65-F5344CB8AC3E}">
+        <p14:creationId xmlns:p14="http://schemas.microsoft.com/office/powerpoint/2010/main" xmlns="" val="1235641584"/>
+      </p:ext>
+    </p:extLst>
+  </p:cSld>
+  <p:clrMapOvr>
+    <a:masterClrMapping/>
+  </p:clrMapOvr>
+  <mc:AlternateContent xmlns:mc="http://schemas.openxmlformats.org/markup-compatibility/2006">
+    <mc:Choice xmlns:p14="http://schemas.microsoft.com/office/powerpoint/2010/main" xmlns="" Requires="p14">
+      <p:transition p14:dur="250">
+        <p:fade/>
+      </p:transition>
+    </mc:Choice>
+    <mc:Fallback>
+      <p:transition>
+        <p:fade/>
+      </p:transition>
+    </mc:Fallback>
+  </mc:AlternateContent>
+  <p:timing>
+    <p:tnLst>
+      <p:par>
+        <p:cTn id="1" dur="indefinite" restart="never" nodeType="tmRoot"/>
+      </p:par>
+    </p:tnLst>
+  </p:timing>
+</p:sld>
+</file>
+
+<file path=ppt/slides/slide5.xml><?xml version="1.0" encoding="utf-8"?>
+<p:sld xmlns:a="http://schemas.openxmlformats.org/drawingml/2006/main" xmlns:r="http://schemas.openxmlformats.org/officeDocument/2006/relationships" xmlns:p="http://schemas.openxmlformats.org/presentationml/2006/main">
+  <p:cSld>
+    <p:spTree>
+      <p:nvGrpSpPr>
+        <p:cNvPr id="1" name=""/>
+        <p:cNvGrpSpPr/>
+        <p:nvPr/>
+      </p:nvGrpSpPr>
+      <p:grpSpPr>
+        <a:xfrm>
+          <a:off x="0" y="0"/>
+          <a:ext cx="0" cy="0"/>
+          <a:chOff x="0" y="0"/>
+          <a:chExt cx="0" cy="0"/>
+        </a:xfrm>
+      </p:grpSpPr>
+      <p:sp>
+        <p:nvSpPr>
+          <p:cNvPr id="2" name="object 2"/>
+          <p:cNvSpPr txBox="1"/>
+          <p:nvPr/>
+        </p:nvSpPr>
+        <p:spPr>
+          <a:xfrm>
+            <a:off x="626301" y="562803"/>
+            <a:ext cx="6231700" cy="368935"/>
+          </a:xfrm>
+          <a:prstGeom prst="rect">
+            <a:avLst/>
+          </a:prstGeom>
+        </p:spPr>
+        <p:txBody>
+          <a:bodyPr vert="horz" wrap="square" lIns="0" tIns="0" rIns="0" bIns="0" rtlCol="0">
+            <a:noAutofit/>
+          </a:bodyPr>
+          <a:lstStyle/>
+          <a:p>
+            <a:pPr marL="12700">
+              <a:tabLst>
+                <a:tab pos="1641434" algn="l"/>
+                <a:tab pos="2152597" algn="l"/>
+                <a:tab pos="3412405" algn="l"/>
+              </a:tabLst>
+            </a:pPr>
+            <a:r>
+              <a:rPr lang="en-GB" sz="2400" kern="0" cap="all" spc="200" dirty="0" smtClean="0">
+                <a:solidFill>
+                  <a:schemeClr val="tx2">
+                    <a:lumMod val="50000"/>
+                  </a:schemeClr>
+                </a:solidFill>
+                <a:latin typeface="Arial"/>
+                <a:cs typeface="Arial"/>
+              </a:rPr>
               <a:t>Black-Box</a:t>
             </a:r>
             <a:endParaRPr lang="en-GB" sz="2400" kern="0" cap="all" spc="200" dirty="0">
@@ -5606,7 +6166,7 @@
                 <a:cs typeface="Arial"/>
               </a:rPr>
               <a:pPr marL="12700"/>
-              <a:t>4</a:t>
+              <a:t>5</a:t>
             </a:fld>
             <a:r>
               <a:rPr lang="da-DK" sz="851" b="1" kern="0" cap="all" spc="200" dirty="0" smtClean="0">
@@ -5689,7 +6249,7 @@
     </p:spTree>
     <p:extLst>
       <p:ext uri="{BB962C8B-B14F-4D97-AF65-F5344CB8AC3E}">
-        <p14:creationId xmlns="" xmlns:p14="http://schemas.microsoft.com/office/powerpoint/2010/main" val="1235641584"/>
+        <p14:creationId xmlns:p14="http://schemas.microsoft.com/office/powerpoint/2010/main" xmlns="" val="1235641584"/>
       </p:ext>
     </p:extLst>
   </p:cSld>
@@ -5697,7 +6257,7 @@
     <a:masterClrMapping/>
   </p:clrMapOvr>
   <mc:AlternateContent xmlns:mc="http://schemas.openxmlformats.org/markup-compatibility/2006">
-    <mc:Choice xmlns="" xmlns:p14="http://schemas.microsoft.com/office/powerpoint/2010/main" Requires="p14">
+    <mc:Choice xmlns:p14="http://schemas.microsoft.com/office/powerpoint/2010/main" xmlns="" Requires="p14">
       <p:transition p14:dur="250">
         <p:fade/>
       </p:transition>
@@ -5973,7 +6533,7 @@
   <a:extraClrSchemeLst/>
   <a:extLst>
     <a:ext uri="{05A4C25C-085E-4340-85A3-A5531E510DB2}">
-      <thm15:themeFamily xmlns="" xmlns:thm15="http://schemas.microsoft.com/office/thememl/2012/main" name="Office Theme" id="{62F939B6-93AF-4DB8-9C6B-D6C7DFDC589F}" vid="{4A3C46E8-61CC-4603-A589-7422A47A8E4A}"/>
+      <thm15:themeFamily xmlns:thm15="http://schemas.microsoft.com/office/thememl/2012/main" xmlns="" name="Office Theme" id="{62F939B6-93AF-4DB8-9C6B-D6C7DFDC589F}" vid="{4A3C46E8-61CC-4603-A589-7422A47A8E4A}"/>
     </a:ext>
   </a:extLst>
 </a:theme>
@@ -6234,7 +6794,7 @@
   <a:extraClrSchemeLst/>
   <a:extLst>
     <a:ext uri="{05A4C25C-085E-4340-85A3-A5531E510DB2}">
-      <thm15:themeFamily xmlns="" xmlns:thm15="http://schemas.microsoft.com/office/thememl/2012/main" name="Office Theme" id="{62F939B6-93AF-4DB8-9C6B-D6C7DFDC589F}" vid="{4A3C46E8-61CC-4603-A589-7422A47A8E4A}"/>
+      <thm15:themeFamily xmlns:thm15="http://schemas.microsoft.com/office/thememl/2012/main" xmlns="" name="Office Theme" id="{62F939B6-93AF-4DB8-9C6B-D6C7DFDC589F}" vid="{4A3C46E8-61CC-4603-A589-7422A47A8E4A}"/>
     </a:ext>
   </a:extLst>
 </a:theme>
